--- a/modules/1. Intro To ML and Data Science/Course Introduction.pptx
+++ b/modules/1. Intro To ML and Data Science/Course Introduction.pptx
@@ -6,18 +6,19 @@
     <p:sldMasterId id="2147483782" r:id="rId2"/>
   </p:sldMasterIdLst>
   <p:notesMasterIdLst>
-    <p:notesMasterId r:id="rId9"/>
+    <p:notesMasterId r:id="rId10"/>
   </p:notesMasterIdLst>
   <p:handoutMasterIdLst>
-    <p:handoutMasterId r:id="rId10"/>
+    <p:handoutMasterId r:id="rId11"/>
   </p:handoutMasterIdLst>
   <p:sldIdLst>
     <p:sldId id="447" r:id="rId3"/>
     <p:sldId id="450" r:id="rId4"/>
     <p:sldId id="448" r:id="rId5"/>
-    <p:sldId id="413" r:id="rId6"/>
-    <p:sldId id="265" r:id="rId7"/>
-    <p:sldId id="435" r:id="rId8"/>
+    <p:sldId id="451" r:id="rId6"/>
+    <p:sldId id="413" r:id="rId7"/>
+    <p:sldId id="265" r:id="rId8"/>
+    <p:sldId id="435" r:id="rId9"/>
   </p:sldIdLst>
   <p:sldSz cx="12195175" cy="6858000"/>
   <p:notesSz cx="6858000" cy="9144000"/>
@@ -629,7 +630,7 @@
             <a:fld id="{7D8C2C35-2B8A-446E-BEC0-FD36716C29AC}" type="slidenum">
               <a:rPr lang="de-DE" smtClean="0"/>
               <a:pPr/>
-              <a:t>5</a:t>
+              <a:t>6</a:t>
             </a:fld>
             <a:endParaRPr lang="de-DE" dirty="0"/>
           </a:p>
@@ -8707,6 +8708,7 @@
       <p:pic>
         <p:nvPicPr>
           <p:cNvPr id="5" name="Picture 4" descr="A picture containing cake, birthday, table, indoor&#10;&#10;Description generated with very high confidence">
+            <a:hlinkClick r:id="rId2"/>
             <a:extLst>
               <a:ext uri="{FF2B5EF4-FFF2-40B4-BE49-F238E27FC236}">
                 <a16:creationId xmlns:a16="http://schemas.microsoft.com/office/drawing/2014/main" id="{F5D30844-C4C8-41BF-A629-83496E331D2B}"/>
@@ -8719,7 +8721,7 @@
           <p:nvPr/>
         </p:nvPicPr>
         <p:blipFill>
-          <a:blip r:embed="rId2"/>
+          <a:blip r:embed="rId3"/>
           <a:stretch>
             <a:fillRect/>
           </a:stretch>
@@ -9114,6 +9116,86 @@
       </p:grpSpPr>
       <p:sp>
         <p:nvSpPr>
+          <p:cNvPr id="4" name="TextBox 3">
+            <a:extLst>
+              <a:ext uri="{FF2B5EF4-FFF2-40B4-BE49-F238E27FC236}">
+                <a16:creationId xmlns:a16="http://schemas.microsoft.com/office/drawing/2014/main" id="{0E2753D6-5CB9-4FF1-8AF8-99003C808511}"/>
+              </a:ext>
+            </a:extLst>
+          </p:cNvPr>
+          <p:cNvSpPr txBox="1"/>
+          <p:nvPr/>
+        </p:nvSpPr>
+        <p:spPr>
+          <a:xfrm>
+            <a:off x="531628" y="382772"/>
+            <a:ext cx="6624084" cy="276999"/>
+          </a:xfrm>
+          <a:prstGeom prst="rect">
+            <a:avLst/>
+          </a:prstGeom>
+          <a:noFill/>
+        </p:spPr>
+        <p:txBody>
+          <a:bodyPr wrap="square" lIns="0" tIns="0" rIns="0" bIns="0" rtlCol="0">
+            <a:spAutoFit/>
+          </a:bodyPr>
+          <a:lstStyle/>
+          <a:p>
+            <a:pPr fontAlgn="base">
+              <a:spcBef>
+                <a:spcPct val="50000"/>
+              </a:spcBef>
+              <a:spcAft>
+                <a:spcPct val="0"/>
+              </a:spcAft>
+              <a:buClr>
+                <a:srgbClr val="F0AB00"/>
+              </a:buClr>
+              <a:buSzPct val="80000"/>
+            </a:pPr>
+            <a:r>
+              <a:rPr lang="en-US" sz="1800" kern="0" dirty="0">
+                <a:ea typeface="Arial Unicode MS" pitchFamily="34" charset="-128"/>
+                <a:cs typeface="Arial Unicode MS" pitchFamily="34" charset="-128"/>
+              </a:rPr>
+              <a:t>Technical Evangelists 	</a:t>
+            </a:r>
+          </a:p>
+        </p:txBody>
+      </p:sp>
+    </p:spTree>
+    <p:extLst>
+      <p:ext uri="{BB962C8B-B14F-4D97-AF65-F5344CB8AC3E}">
+        <p14:creationId xmlns:p14="http://schemas.microsoft.com/office/powerpoint/2010/main" val="783941552"/>
+      </p:ext>
+    </p:extLst>
+  </p:cSld>
+  <p:clrMapOvr>
+    <a:masterClrMapping/>
+  </p:clrMapOvr>
+</p:sld>
+</file>
+
+<file path=ppt/slides/slide5.xml><?xml version="1.0" encoding="utf-8"?>
+<p:sld xmlns:a="http://schemas.openxmlformats.org/drawingml/2006/main" xmlns:r="http://schemas.openxmlformats.org/officeDocument/2006/relationships" xmlns:p="http://schemas.openxmlformats.org/presentationml/2006/main">
+  <p:cSld>
+    <p:spTree>
+      <p:nvGrpSpPr>
+        <p:cNvPr id="1" name=""/>
+        <p:cNvGrpSpPr/>
+        <p:nvPr/>
+      </p:nvGrpSpPr>
+      <p:grpSpPr>
+        <a:xfrm>
+          <a:off x="0" y="0"/>
+          <a:ext cx="0" cy="0"/>
+          <a:chOff x="0" y="0"/>
+          <a:chExt cx="0" cy="0"/>
+        </a:xfrm>
+      </p:grpSpPr>
+      <p:sp>
+        <p:nvSpPr>
           <p:cNvPr id="4" name="Placeholder Partner logo"/>
           <p:cNvSpPr/>
           <p:nvPr/>
@@ -9200,7 +9282,7 @@
 </p:sld>
 </file>
 
-<file path=ppt/slides/slide5.xml><?xml version="1.0" encoding="utf-8"?>
+<file path=ppt/slides/slide6.xml><?xml version="1.0" encoding="utf-8"?>
 <p:sld xmlns:a="http://schemas.openxmlformats.org/drawingml/2006/main" xmlns:r="http://schemas.openxmlformats.org/officeDocument/2006/relationships" xmlns:p="http://schemas.openxmlformats.org/presentationml/2006/main" show="0">
   <p:cSld>
     <p:spTree>
@@ -9226,7 +9308,7 @@
 </p:sld>
 </file>
 
-<file path=ppt/slides/slide6.xml><?xml version="1.0" encoding="utf-8"?>
+<file path=ppt/slides/slide7.xml><?xml version="1.0" encoding="utf-8"?>
 <p:sld xmlns:a="http://schemas.openxmlformats.org/drawingml/2006/main" xmlns:r="http://schemas.openxmlformats.org/officeDocument/2006/relationships" xmlns:p="http://schemas.openxmlformats.org/presentationml/2006/main" show="0">
   <p:cSld>
     <p:spTree>
